--- a/Documentation/hackathon ppt.pptx
+++ b/Documentation/hackathon ppt.pptx
@@ -10,7 +10,8 @@
     <p:sldId id="258" r:id="rId4"/>
     <p:sldId id="259" r:id="rId5"/>
     <p:sldId id="263" r:id="rId6"/>
-    <p:sldId id="262" r:id="rId7"/>
+    <p:sldId id="264" r:id="rId7"/>
+    <p:sldId id="262" r:id="rId8"/>
   </p:sldIdLst>
   <p:sldSz cx="12192000" cy="6858000"/>
   <p:notesSz cx="6858000" cy="9144000"/>
@@ -111,7 +112,7 @@
   </p:defaultTextStyle>
   <p:extLst>
     <p:ext uri="{EFAFB233-063F-42B5-8137-9DF3F51BA10A}">
-      <p15:sldGuideLst xmlns:p15="http://schemas.microsoft.com/office/powerpoint/2012/main" xmlns=""/>
+      <p15:sldGuideLst xmlns="" xmlns:p15="http://schemas.microsoft.com/office/powerpoint/2012/main"/>
     </p:ext>
   </p:extLst>
 </p:presentation>
@@ -445,7 +446,7 @@
     </p:spTree>
     <p:extLst>
       <p:ext uri="{BB962C8B-B14F-4D97-AF65-F5344CB8AC3E}">
-        <p14:creationId xmlns:p14="http://schemas.microsoft.com/office/powerpoint/2010/main" xmlns="" val="1331981044"/>
+        <p14:creationId xmlns="" xmlns:p14="http://schemas.microsoft.com/office/powerpoint/2010/main" val="1331981044"/>
       </p:ext>
     </p:extLst>
   </p:cSld>
@@ -785,7 +786,7 @@
     </p:spTree>
     <p:extLst>
       <p:ext uri="{BB962C8B-B14F-4D97-AF65-F5344CB8AC3E}">
-        <p14:creationId xmlns:p14="http://schemas.microsoft.com/office/powerpoint/2010/main" xmlns="" val="3669341064"/>
+        <p14:creationId xmlns="" xmlns:p14="http://schemas.microsoft.com/office/powerpoint/2010/main" val="3669341064"/>
       </p:ext>
     </p:extLst>
   </p:cSld>
@@ -1264,7 +1265,7 @@
     </p:spTree>
     <p:extLst>
       <p:ext uri="{BB962C8B-B14F-4D97-AF65-F5344CB8AC3E}">
-        <p14:creationId xmlns:p14="http://schemas.microsoft.com/office/powerpoint/2010/main" xmlns="" val="2512927058"/>
+        <p14:creationId xmlns="" xmlns:p14="http://schemas.microsoft.com/office/powerpoint/2010/main" val="2512927058"/>
       </p:ext>
     </p:extLst>
   </p:cSld>
@@ -1526,7 +1527,7 @@
     </p:spTree>
     <p:extLst>
       <p:ext uri="{BB962C8B-B14F-4D97-AF65-F5344CB8AC3E}">
-        <p14:creationId xmlns:p14="http://schemas.microsoft.com/office/powerpoint/2010/main" xmlns="" val="3112621392"/>
+        <p14:creationId xmlns="" xmlns:p14="http://schemas.microsoft.com/office/powerpoint/2010/main" val="3112621392"/>
       </p:ext>
     </p:extLst>
   </p:cSld>
@@ -1924,7 +1925,7 @@
     </p:spTree>
     <p:extLst>
       <p:ext uri="{BB962C8B-B14F-4D97-AF65-F5344CB8AC3E}">
-        <p14:creationId xmlns:p14="http://schemas.microsoft.com/office/powerpoint/2010/main" xmlns="" val="920536385"/>
+        <p14:creationId xmlns="" xmlns:p14="http://schemas.microsoft.com/office/powerpoint/2010/main" val="920536385"/>
       </p:ext>
     </p:extLst>
   </p:cSld>
@@ -2246,7 +2247,7 @@
     </p:spTree>
     <p:extLst>
       <p:ext uri="{BB962C8B-B14F-4D97-AF65-F5344CB8AC3E}">
-        <p14:creationId xmlns:p14="http://schemas.microsoft.com/office/powerpoint/2010/main" xmlns="" val="336246389"/>
+        <p14:creationId xmlns="" xmlns:p14="http://schemas.microsoft.com/office/powerpoint/2010/main" val="336246389"/>
       </p:ext>
     </p:extLst>
   </p:cSld>
@@ -2500,7 +2501,7 @@
     </p:spTree>
     <p:extLst>
       <p:ext uri="{BB962C8B-B14F-4D97-AF65-F5344CB8AC3E}">
-        <p14:creationId xmlns:p14="http://schemas.microsoft.com/office/powerpoint/2010/main" xmlns="" val="3000957649"/>
+        <p14:creationId xmlns="" xmlns:p14="http://schemas.microsoft.com/office/powerpoint/2010/main" val="3000957649"/>
       </p:ext>
     </p:extLst>
   </p:cSld>
@@ -2764,7 +2765,7 @@
     </p:spTree>
     <p:extLst>
       <p:ext uri="{BB962C8B-B14F-4D97-AF65-F5344CB8AC3E}">
-        <p14:creationId xmlns:p14="http://schemas.microsoft.com/office/powerpoint/2010/main" xmlns="" val="2552537255"/>
+        <p14:creationId xmlns="" xmlns:p14="http://schemas.microsoft.com/office/powerpoint/2010/main" val="2552537255"/>
       </p:ext>
     </p:extLst>
   </p:cSld>
@@ -3028,7 +3029,7 @@
     </p:spTree>
     <p:extLst>
       <p:ext uri="{BB962C8B-B14F-4D97-AF65-F5344CB8AC3E}">
-        <p14:creationId xmlns:p14="http://schemas.microsoft.com/office/powerpoint/2010/main" xmlns="" val="1072881894"/>
+        <p14:creationId xmlns="" xmlns:p14="http://schemas.microsoft.com/office/powerpoint/2010/main" val="1072881894"/>
       </p:ext>
     </p:extLst>
   </p:cSld>
@@ -3364,7 +3365,7 @@
     </p:spTree>
     <p:extLst>
       <p:ext uri="{BB962C8B-B14F-4D97-AF65-F5344CB8AC3E}">
-        <p14:creationId xmlns:p14="http://schemas.microsoft.com/office/powerpoint/2010/main" xmlns="" val="2748534300"/>
+        <p14:creationId xmlns="" xmlns:p14="http://schemas.microsoft.com/office/powerpoint/2010/main" val="2748534300"/>
       </p:ext>
     </p:extLst>
   </p:cSld>
@@ -3689,7 +3690,7 @@
     </p:spTree>
     <p:extLst>
       <p:ext uri="{BB962C8B-B14F-4D97-AF65-F5344CB8AC3E}">
-        <p14:creationId xmlns:p14="http://schemas.microsoft.com/office/powerpoint/2010/main" xmlns="" val="1011989773"/>
+        <p14:creationId xmlns="" xmlns:p14="http://schemas.microsoft.com/office/powerpoint/2010/main" val="1011989773"/>
       </p:ext>
     </p:extLst>
   </p:cSld>
@@ -4148,7 +4149,7 @@
     </p:spTree>
     <p:extLst>
       <p:ext uri="{BB962C8B-B14F-4D97-AF65-F5344CB8AC3E}">
-        <p14:creationId xmlns:p14="http://schemas.microsoft.com/office/powerpoint/2010/main" xmlns="" val="899248250"/>
+        <p14:creationId xmlns="" xmlns:p14="http://schemas.microsoft.com/office/powerpoint/2010/main" val="899248250"/>
       </p:ext>
     </p:extLst>
   </p:cSld>
@@ -4350,7 +4351,7 @@
     </p:spTree>
     <p:extLst>
       <p:ext uri="{BB962C8B-B14F-4D97-AF65-F5344CB8AC3E}">
-        <p14:creationId xmlns:p14="http://schemas.microsoft.com/office/powerpoint/2010/main" xmlns="" val="2605959787"/>
+        <p14:creationId xmlns="" xmlns:p14="http://schemas.microsoft.com/office/powerpoint/2010/main" val="2605959787"/>
       </p:ext>
     </p:extLst>
   </p:cSld>
@@ -4529,7 +4530,7 @@
     </p:spTree>
     <p:extLst>
       <p:ext uri="{BB962C8B-B14F-4D97-AF65-F5344CB8AC3E}">
-        <p14:creationId xmlns:p14="http://schemas.microsoft.com/office/powerpoint/2010/main" xmlns="" val="3336496484"/>
+        <p14:creationId xmlns="" xmlns:p14="http://schemas.microsoft.com/office/powerpoint/2010/main" val="3336496484"/>
       </p:ext>
     </p:extLst>
   </p:cSld>
@@ -4864,7 +4865,7 @@
     </p:spTree>
     <p:extLst>
       <p:ext uri="{BB962C8B-B14F-4D97-AF65-F5344CB8AC3E}">
-        <p14:creationId xmlns:p14="http://schemas.microsoft.com/office/powerpoint/2010/main" xmlns="" val="301720033"/>
+        <p14:creationId xmlns="" xmlns:p14="http://schemas.microsoft.com/office/powerpoint/2010/main" val="301720033"/>
       </p:ext>
     </p:extLst>
   </p:cSld>
@@ -5216,7 +5217,7 @@
     </p:spTree>
     <p:extLst>
       <p:ext uri="{BB962C8B-B14F-4D97-AF65-F5344CB8AC3E}">
-        <p14:creationId xmlns:p14="http://schemas.microsoft.com/office/powerpoint/2010/main" xmlns="" val="2080436766"/>
+        <p14:creationId xmlns="" xmlns:p14="http://schemas.microsoft.com/office/powerpoint/2010/main" val="2080436766"/>
       </p:ext>
     </p:extLst>
   </p:cSld>
@@ -7282,7 +7283,7 @@
     </p:spTree>
     <p:extLst>
       <p:ext uri="{BB962C8B-B14F-4D97-AF65-F5344CB8AC3E}">
-        <p14:creationId xmlns:p14="http://schemas.microsoft.com/office/powerpoint/2010/main" xmlns="" val="2611193111"/>
+        <p14:creationId xmlns="" xmlns:p14="http://schemas.microsoft.com/office/powerpoint/2010/main" val="2611193111"/>
       </p:ext>
     </p:extLst>
   </p:cSld>
@@ -7878,7 +7879,7 @@
     </p:spTree>
     <p:extLst>
       <p:ext uri="{BB962C8B-B14F-4D97-AF65-F5344CB8AC3E}">
-        <p14:creationId xmlns:p14="http://schemas.microsoft.com/office/powerpoint/2010/main" xmlns="" val="1141806037"/>
+        <p14:creationId xmlns="" xmlns:p14="http://schemas.microsoft.com/office/powerpoint/2010/main" val="1141806037"/>
       </p:ext>
     </p:extLst>
   </p:cSld>
@@ -8016,11 +8017,7 @@
             <a:pPr lvl="1"/>
             <a:r>
               <a:rPr lang="en-US" sz="2000" dirty="0" smtClean="0"/>
-              <a:t>Users can know about the nearby events</a:t>
-            </a:r>
-            <a:r>
-              <a:rPr lang="en-US" sz="2000" dirty="0" smtClean="0"/>
-              <a:t>.</a:t>
+              <a:t>Users can know about the nearby events.</a:t>
             </a:r>
             <a:endParaRPr lang="en-US" sz="2000" dirty="0"/>
           </a:p>
@@ -8030,7 +8027,6 @@
               <a:rPr lang="en-US" sz="2000" dirty="0" smtClean="0"/>
               <a:t>Users can give review about particular event.</a:t>
             </a:r>
-            <a:endParaRPr lang="en-US" sz="2000" dirty="0" smtClean="0"/>
           </a:p>
           <a:p>
             <a:pPr lvl="1">
@@ -8080,7 +8076,7 @@
     </p:spTree>
     <p:extLst>
       <p:ext uri="{BB962C8B-B14F-4D97-AF65-F5344CB8AC3E}">
-        <p14:creationId xmlns:p14="http://schemas.microsoft.com/office/powerpoint/2010/main" xmlns="" val="56999182"/>
+        <p14:creationId xmlns="" xmlns:p14="http://schemas.microsoft.com/office/powerpoint/2010/main" val="56999182"/>
       </p:ext>
     </p:extLst>
   </p:cSld>
@@ -8186,7 +8182,7 @@
     </p:spTree>
     <p:extLst>
       <p:ext uri="{BB962C8B-B14F-4D97-AF65-F5344CB8AC3E}">
-        <p14:creationId xmlns:p14="http://schemas.microsoft.com/office/powerpoint/2010/main" xmlns="" val="235346750"/>
+        <p14:creationId xmlns="" xmlns:p14="http://schemas.microsoft.com/office/powerpoint/2010/main" val="235346750"/>
       </p:ext>
     </p:extLst>
   </p:cSld>
@@ -8292,7 +8288,7 @@
     </p:spTree>
     <p:extLst>
       <p:ext uri="{BB962C8B-B14F-4D97-AF65-F5344CB8AC3E}">
-        <p14:creationId xmlns:p14="http://schemas.microsoft.com/office/powerpoint/2010/main" xmlns="" val="1860224304"/>
+        <p14:creationId xmlns="" xmlns:p14="http://schemas.microsoft.com/office/powerpoint/2010/main" val="1860224304"/>
       </p:ext>
     </p:extLst>
   </p:cSld>
@@ -8395,6 +8391,86 @@
       </p:grpSpPr>
       <p:sp>
         <p:nvSpPr>
+          <p:cNvPr id="2" name="Title 1"/>
+          <p:cNvSpPr>
+            <a:spLocks noGrp="1"/>
+          </p:cNvSpPr>
+          <p:nvPr>
+            <p:ph type="title"/>
+          </p:nvPr>
+        </p:nvSpPr>
+        <p:spPr/>
+        <p:txBody>
+          <a:bodyPr/>
+          <a:lstStyle/>
+          <a:p>
+            <a:r>
+              <a:rPr lang="en-US" b="1" dirty="0" smtClean="0"/>
+              <a:t>New Event Creation</a:t>
+            </a:r>
+            <a:endParaRPr lang="en-IN" b="1" dirty="0"/>
+          </a:p>
+        </p:txBody>
+      </p:sp>
+      <p:pic>
+        <p:nvPicPr>
+          <p:cNvPr id="3" name="Picture 2"/>
+          <p:cNvPicPr>
+            <a:picLocks noChangeAspect="1" noChangeArrowheads="1"/>
+          </p:cNvPicPr>
+          <p:nvPr/>
+        </p:nvPicPr>
+        <p:blipFill>
+          <a:blip r:embed="rId2"/>
+          <a:srcRect l="17197" t="8235" r="21950" b="15294"/>
+          <a:stretch>
+            <a:fillRect/>
+          </a:stretch>
+        </p:blipFill>
+        <p:spPr bwMode="auto">
+          <a:xfrm>
+            <a:off x="1447799" y="1288472"/>
+            <a:ext cx="9428020" cy="5382223"/>
+          </a:xfrm>
+          <a:prstGeom prst="rect">
+            <a:avLst/>
+          </a:prstGeom>
+          <a:noFill/>
+          <a:ln w="9525">
+            <a:noFill/>
+            <a:miter lim="800000"/>
+            <a:headEnd/>
+            <a:tailEnd/>
+          </a:ln>
+        </p:spPr>
+      </p:pic>
+    </p:spTree>
+  </p:cSld>
+  <p:clrMapOvr>
+    <a:masterClrMapping/>
+  </p:clrMapOvr>
+</p:sld>
+</file>
+
+<file path=ppt/slides/slide7.xml><?xml version="1.0" encoding="utf-8"?>
+<p:sld xmlns:a="http://schemas.openxmlformats.org/drawingml/2006/main" xmlns:r="http://schemas.openxmlformats.org/officeDocument/2006/relationships" xmlns:p="http://schemas.openxmlformats.org/presentationml/2006/main">
+  <p:cSld>
+    <p:spTree>
+      <p:nvGrpSpPr>
+        <p:cNvPr id="1" name=""/>
+        <p:cNvGrpSpPr/>
+        <p:nvPr/>
+      </p:nvGrpSpPr>
+      <p:grpSpPr>
+        <a:xfrm>
+          <a:off x="0" y="0"/>
+          <a:ext cx="0" cy="0"/>
+          <a:chOff x="0" y="0"/>
+          <a:chExt cx="0" cy="0"/>
+        </a:xfrm>
+      </p:grpSpPr>
+      <p:sp>
+        <p:nvSpPr>
           <p:cNvPr id="4" name="Rectangle 3"/>
           <p:cNvSpPr/>
           <p:nvPr/>
@@ -8475,7 +8551,7 @@
     </p:spTree>
     <p:extLst>
       <p:ext uri="{BB962C8B-B14F-4D97-AF65-F5344CB8AC3E}">
-        <p14:creationId xmlns:p14="http://schemas.microsoft.com/office/powerpoint/2010/main" xmlns="" val="807379169"/>
+        <p14:creationId xmlns="" xmlns:p14="http://schemas.microsoft.com/office/powerpoint/2010/main" val="807379169"/>
       </p:ext>
     </p:extLst>
   </p:cSld>
@@ -8722,7 +8798,7 @@
   <a:extraClrSchemeLst/>
   <a:extLst>
     <a:ext uri="{05A4C25C-085E-4340-85A3-A5531E510DB2}">
-      <thm15:themeFamily xmlns:thm15="http://schemas.microsoft.com/office/thememl/2012/main" xmlns="" name="Wisp" id="{7CB32D59-10C0-40DD-B7BD-2E94284A981C}" vid="{24B1A44C-C006-48B2-A4D7-E5549B3D8CD4}"/>
+      <thm15:themeFamily xmlns="" xmlns:thm15="http://schemas.microsoft.com/office/thememl/2012/main" name="Wisp" id="{7CB32D59-10C0-40DD-B7BD-2E94284A981C}" vid="{24B1A44C-C006-48B2-A4D7-E5549B3D8CD4}"/>
     </a:ext>
   </a:extLst>
 </a:theme>
